--- a/Draft/BIGPIC.pptx
+++ b/Draft/BIGPIC.pptx
@@ -3320,38 +3320,1311 @@
       </p:grpSpPr>
       <p:sp>
         <p:nvSpPr>
-          <p:cNvPr id="2" name="제목 1"/>
-          <p:cNvSpPr>
-            <a:spLocks noGrp="1"/>
-          </p:cNvSpPr>
-          <p:nvPr>
-            <p:ph type="ctrTitle"/>
-          </p:nvPr>
-        </p:nvSpPr>
-        <p:spPr/>
-        <p:txBody>
-          <a:bodyPr/>
-          <a:lstStyle/>
-          <a:p>
-            <a:endParaRPr lang="ko-KR" altLang="en-US"/>
-          </a:p>
-        </p:txBody>
-      </p:sp>
-      <p:sp>
-        <p:nvSpPr>
-          <p:cNvPr id="3" name="부제목 2"/>
-          <p:cNvSpPr>
-            <a:spLocks noGrp="1"/>
-          </p:cNvSpPr>
-          <p:nvPr>
-            <p:ph type="subTitle" idx="1"/>
-          </p:nvPr>
-        </p:nvSpPr>
-        <p:spPr/>
-        <p:txBody>
-          <a:bodyPr/>
-          <a:lstStyle/>
-          <a:p>
+          <p:cNvPr id="25" name="TextBox 24"/>
+          <p:cNvSpPr txBox="1"/>
+          <p:nvPr/>
+        </p:nvSpPr>
+        <p:spPr>
+          <a:xfrm>
+            <a:off x="6912464" y="1854200"/>
+            <a:ext cx="2440092" cy="2769989"/>
+          </a:xfrm>
+          <a:prstGeom prst="rect">
+            <a:avLst/>
+          </a:prstGeom>
+          <a:noFill/>
+        </p:spPr>
+        <p:txBody>
+          <a:bodyPr wrap="none" rtlCol="0">
+            <a:spAutoFit/>
+          </a:bodyPr>
+          <a:lstStyle/>
+          <a:p>
+            <a:r>
+              <a:rPr lang="ko-KR" altLang="en-US" dirty="0" smtClean="0"/>
+              <a:t>이름</a:t>
+            </a:r>
+            <a:endParaRPr lang="en-US" altLang="ko-KR" dirty="0" smtClean="0"/>
+          </a:p>
+          <a:p>
+            <a:endParaRPr lang="en-US" altLang="ko-KR" sz="1200" dirty="0"/>
+          </a:p>
+          <a:p>
+            <a:r>
+              <a:rPr lang="ko-KR" altLang="en-US" dirty="0" smtClean="0"/>
+              <a:t>나이</a:t>
+            </a:r>
+            <a:endParaRPr lang="en-US" altLang="ko-KR" dirty="0" smtClean="0"/>
+          </a:p>
+          <a:p>
+            <a:endParaRPr lang="en-US" altLang="ko-KR" sz="1200" dirty="0"/>
+          </a:p>
+          <a:p>
+            <a:r>
+              <a:rPr lang="ko-KR" altLang="en-US" dirty="0" smtClean="0"/>
+              <a:t>신장</a:t>
+            </a:r>
+            <a:endParaRPr lang="en-US" altLang="ko-KR" dirty="0" smtClean="0"/>
+          </a:p>
+          <a:p>
+            <a:endParaRPr lang="en-US" altLang="ko-KR" sz="1200" dirty="0"/>
+          </a:p>
+          <a:p>
+            <a:r>
+              <a:rPr lang="ko-KR" altLang="en-US" dirty="0" smtClean="0"/>
+              <a:t>체중</a:t>
+            </a:r>
+            <a:endParaRPr lang="en-US" altLang="ko-KR" dirty="0" smtClean="0"/>
+          </a:p>
+          <a:p>
+            <a:endParaRPr lang="en-US" altLang="ko-KR" sz="1200" dirty="0"/>
+          </a:p>
+          <a:p>
+            <a:r>
+              <a:rPr lang="ko-KR" altLang="en-US" dirty="0" smtClean="0"/>
+              <a:t>성별</a:t>
+            </a:r>
+            <a:endParaRPr lang="en-US" altLang="ko-KR" dirty="0" smtClean="0"/>
+          </a:p>
+          <a:p>
+            <a:endParaRPr lang="en-US" altLang="ko-KR" dirty="0"/>
+          </a:p>
+          <a:p>
+            <a:r>
+              <a:rPr lang="en-US" altLang="ko-KR" dirty="0" smtClean="0"/>
+              <a:t>	</a:t>
+            </a:r>
+            <a:r>
+              <a:rPr lang="en-US" altLang="ko-KR" dirty="0"/>
+              <a:t> </a:t>
+            </a:r>
+            <a:r>
+              <a:rPr lang="en-US" altLang="ko-KR" dirty="0" smtClean="0"/>
+              <a:t>    </a:t>
+            </a:r>
+            <a:r>
+              <a:rPr lang="ko-KR" altLang="en-US" dirty="0" err="1"/>
+              <a:t>임</a:t>
+            </a:r>
+            <a:r>
+              <a:rPr lang="ko-KR" altLang="en-US" dirty="0" err="1" smtClean="0"/>
+              <a:t>신여부</a:t>
+            </a:r>
+            <a:endParaRPr lang="en-US" altLang="ko-KR" dirty="0" smtClean="0"/>
+          </a:p>
+        </p:txBody>
+      </p:sp>
+      <p:sp>
+        <p:nvSpPr>
+          <p:cNvPr id="41" name="TextBox 40"/>
+          <p:cNvSpPr txBox="1"/>
+          <p:nvPr/>
+        </p:nvSpPr>
+        <p:spPr>
+          <a:xfrm>
+            <a:off x="2265135" y="3517722"/>
+            <a:ext cx="1144865" cy="307777"/>
+          </a:xfrm>
+          <a:prstGeom prst="rect">
+            <a:avLst/>
+          </a:prstGeom>
+          <a:noFill/>
+        </p:spPr>
+        <p:txBody>
+          <a:bodyPr wrap="none" rtlCol="0">
+            <a:spAutoFit/>
+          </a:bodyPr>
+          <a:lstStyle/>
+          <a:p>
+            <a:r>
+              <a:rPr lang="ko-KR" altLang="en-US" sz="1400" dirty="0" smtClean="0"/>
+              <a:t>누적 섭취량</a:t>
+            </a:r>
+            <a:endParaRPr lang="ko-KR" altLang="en-US" sz="1400" dirty="0"/>
+          </a:p>
+        </p:txBody>
+      </p:sp>
+      <p:sp>
+        <p:nvSpPr>
+          <p:cNvPr id="38" name="TextBox 37"/>
+          <p:cNvSpPr txBox="1"/>
+          <p:nvPr/>
+        </p:nvSpPr>
+        <p:spPr>
+          <a:xfrm>
+            <a:off x="2497393" y="2182332"/>
+            <a:ext cx="954107" cy="276999"/>
+          </a:xfrm>
+          <a:prstGeom prst="rect">
+            <a:avLst/>
+          </a:prstGeom>
+          <a:noFill/>
+        </p:spPr>
+        <p:txBody>
+          <a:bodyPr wrap="none" rtlCol="0">
+            <a:spAutoFit/>
+          </a:bodyPr>
+          <a:lstStyle/>
+          <a:p>
+            <a:r>
+              <a:rPr lang="ko-KR" altLang="en-US" sz="1200" dirty="0" err="1" smtClean="0"/>
+              <a:t>권장섭취량</a:t>
+            </a:r>
+            <a:endParaRPr lang="ko-KR" altLang="en-US" sz="1200" dirty="0"/>
+          </a:p>
+        </p:txBody>
+      </p:sp>
+      <p:sp>
+        <p:nvSpPr>
+          <p:cNvPr id="4" name="직사각형 3"/>
+          <p:cNvSpPr/>
+          <p:nvPr/>
+        </p:nvSpPr>
+        <p:spPr>
+          <a:xfrm>
+            <a:off x="2207689" y="826242"/>
+            <a:ext cx="3531929" cy="5827776"/>
+          </a:xfrm>
+          <a:prstGeom prst="rect">
+            <a:avLst/>
+          </a:prstGeom>
+          <a:noFill/>
+          <a:ln w="38100">
+            <a:solidFill>
+              <a:schemeClr val="bg2">
+                <a:lumMod val="25000"/>
+              </a:schemeClr>
+            </a:solidFill>
+          </a:ln>
+        </p:spPr>
+        <p:style>
+          <a:lnRef idx="2">
+            <a:schemeClr val="accent1">
+              <a:shade val="50000"/>
+            </a:schemeClr>
+          </a:lnRef>
+          <a:fillRef idx="1">
+            <a:schemeClr val="accent1"/>
+          </a:fillRef>
+          <a:effectRef idx="0">
+            <a:schemeClr val="accent1"/>
+          </a:effectRef>
+          <a:fontRef idx="minor">
+            <a:schemeClr val="lt1"/>
+          </a:fontRef>
+        </p:style>
+        <p:txBody>
+          <a:bodyPr rtlCol="0" anchor="ctr"/>
+          <a:lstStyle/>
+          <a:p>
+            <a:pPr algn="ctr"/>
+            <a:endParaRPr lang="ko-KR" altLang="en-US"/>
+          </a:p>
+        </p:txBody>
+      </p:sp>
+      <p:sp>
+        <p:nvSpPr>
+          <p:cNvPr id="5" name="TextBox 4"/>
+          <p:cNvSpPr txBox="1"/>
+          <p:nvPr/>
+        </p:nvSpPr>
+        <p:spPr>
+          <a:xfrm>
+            <a:off x="3304239" y="223296"/>
+            <a:ext cx="1338828" cy="369332"/>
+          </a:xfrm>
+          <a:prstGeom prst="rect">
+            <a:avLst/>
+          </a:prstGeom>
+          <a:noFill/>
+        </p:spPr>
+        <p:txBody>
+          <a:bodyPr wrap="none" rtlCol="0">
+            <a:spAutoFit/>
+          </a:bodyPr>
+          <a:lstStyle/>
+          <a:p>
+            <a:r>
+              <a:rPr lang="ko-KR" altLang="en-US" dirty="0" err="1" smtClean="0"/>
+              <a:t>메인페이지</a:t>
+            </a:r>
+            <a:endParaRPr lang="ko-KR" altLang="en-US" dirty="0"/>
+          </a:p>
+        </p:txBody>
+      </p:sp>
+      <p:sp>
+        <p:nvSpPr>
+          <p:cNvPr id="7" name="직사각형 6"/>
+          <p:cNvSpPr/>
+          <p:nvPr/>
+        </p:nvSpPr>
+        <p:spPr>
+          <a:xfrm>
+            <a:off x="6748741" y="826242"/>
+            <a:ext cx="3596640" cy="5827776"/>
+          </a:xfrm>
+          <a:prstGeom prst="rect">
+            <a:avLst/>
+          </a:prstGeom>
+          <a:noFill/>
+          <a:ln w="38100">
+            <a:solidFill>
+              <a:schemeClr val="bg2">
+                <a:lumMod val="50000"/>
+              </a:schemeClr>
+            </a:solidFill>
+          </a:ln>
+        </p:spPr>
+        <p:style>
+          <a:lnRef idx="2">
+            <a:schemeClr val="accent1">
+              <a:shade val="50000"/>
+            </a:schemeClr>
+          </a:lnRef>
+          <a:fillRef idx="1">
+            <a:schemeClr val="accent1"/>
+          </a:fillRef>
+          <a:effectRef idx="0">
+            <a:schemeClr val="accent1"/>
+          </a:effectRef>
+          <a:fontRef idx="minor">
+            <a:schemeClr val="lt1"/>
+          </a:fontRef>
+        </p:style>
+        <p:txBody>
+          <a:bodyPr rtlCol="0" anchor="ctr"/>
+          <a:lstStyle/>
+          <a:p>
+            <a:pPr algn="ctr"/>
+            <a:endParaRPr lang="ko-KR" altLang="en-US"/>
+          </a:p>
+        </p:txBody>
+      </p:sp>
+      <p:sp>
+        <p:nvSpPr>
+          <p:cNvPr id="8" name="TextBox 7"/>
+          <p:cNvSpPr txBox="1"/>
+          <p:nvPr/>
+        </p:nvSpPr>
+        <p:spPr>
+          <a:xfrm>
+            <a:off x="7449645" y="223296"/>
+            <a:ext cx="2194832" cy="369332"/>
+          </a:xfrm>
+          <a:prstGeom prst="rect">
+            <a:avLst/>
+          </a:prstGeom>
+          <a:noFill/>
+        </p:spPr>
+        <p:txBody>
+          <a:bodyPr wrap="none" rtlCol="0">
+            <a:spAutoFit/>
+          </a:bodyPr>
+          <a:lstStyle/>
+          <a:p>
+            <a:r>
+              <a:rPr lang="ko-KR" altLang="en-US" dirty="0" smtClean="0"/>
+              <a:t>사용자 설정 페이지</a:t>
+            </a:r>
+            <a:endParaRPr lang="ko-KR" altLang="en-US" dirty="0"/>
+          </a:p>
+        </p:txBody>
+      </p:sp>
+      <p:sp>
+        <p:nvSpPr>
+          <p:cNvPr id="9" name="TextBox 8"/>
+          <p:cNvSpPr txBox="1"/>
+          <p:nvPr/>
+        </p:nvSpPr>
+        <p:spPr>
+          <a:xfrm>
+            <a:off x="9644477" y="179911"/>
+            <a:ext cx="2297424" cy="646331"/>
+          </a:xfrm>
+          <a:prstGeom prst="rect">
+            <a:avLst/>
+          </a:prstGeom>
+          <a:noFill/>
+        </p:spPr>
+        <p:txBody>
+          <a:bodyPr wrap="none" rtlCol="0">
+            <a:spAutoFit/>
+          </a:bodyPr>
+          <a:lstStyle/>
+          <a:p>
+            <a:r>
+              <a:rPr lang="ko-KR" altLang="en-US" dirty="0" smtClean="0"/>
+              <a:t>성별</a:t>
+            </a:r>
+            <a:r>
+              <a:rPr lang="en-US" altLang="ko-KR" dirty="0" smtClean="0"/>
+              <a:t>, </a:t>
+            </a:r>
+            <a:r>
+              <a:rPr lang="ko-KR" altLang="en-US" dirty="0" smtClean="0"/>
+              <a:t>나이</a:t>
+            </a:r>
+            <a:r>
+              <a:rPr lang="en-US" altLang="ko-KR" dirty="0" smtClean="0"/>
+              <a:t>, </a:t>
+            </a:r>
+            <a:r>
+              <a:rPr lang="ko-KR" altLang="en-US" dirty="0" smtClean="0"/>
+              <a:t>신장</a:t>
+            </a:r>
+            <a:r>
+              <a:rPr lang="en-US" altLang="ko-KR" dirty="0" smtClean="0"/>
+              <a:t>,</a:t>
+            </a:r>
+          </a:p>
+          <a:p>
+            <a:r>
+              <a:rPr lang="ko-KR" altLang="en-US" dirty="0" smtClean="0"/>
+              <a:t>체중</a:t>
+            </a:r>
+            <a:r>
+              <a:rPr lang="en-US" altLang="ko-KR" dirty="0" smtClean="0"/>
+              <a:t>, </a:t>
+            </a:r>
+            <a:r>
+              <a:rPr lang="ko-KR" altLang="en-US" dirty="0" err="1" smtClean="0"/>
+              <a:t>임신여부</a:t>
+            </a:r>
+            <a:r>
+              <a:rPr lang="en-US" altLang="ko-KR" dirty="0" smtClean="0"/>
+              <a:t>, </a:t>
+            </a:r>
+            <a:r>
+              <a:rPr lang="ko-KR" altLang="en-US" dirty="0" smtClean="0"/>
+              <a:t>이름</a:t>
+            </a:r>
+            <a:endParaRPr lang="ko-KR" altLang="en-US" dirty="0"/>
+          </a:p>
+        </p:txBody>
+      </p:sp>
+      <p:sp>
+        <p:nvSpPr>
+          <p:cNvPr id="10" name="TextBox 9"/>
+          <p:cNvSpPr txBox="1"/>
+          <p:nvPr/>
+        </p:nvSpPr>
+        <p:spPr>
+          <a:xfrm>
+            <a:off x="0" y="2489982"/>
+            <a:ext cx="1963999" cy="923330"/>
+          </a:xfrm>
+          <a:prstGeom prst="rect">
+            <a:avLst/>
+          </a:prstGeom>
+          <a:noFill/>
+        </p:spPr>
+        <p:txBody>
+          <a:bodyPr wrap="none" rtlCol="0">
+            <a:spAutoFit/>
+          </a:bodyPr>
+          <a:lstStyle/>
+          <a:p>
+            <a:r>
+              <a:rPr lang="ko-KR" altLang="en-US" dirty="0" err="1" smtClean="0"/>
+              <a:t>오늘먹은</a:t>
+            </a:r>
+            <a:r>
+              <a:rPr lang="ko-KR" altLang="en-US" dirty="0" smtClean="0"/>
+              <a:t> </a:t>
+            </a:r>
+            <a:r>
+              <a:rPr lang="ko-KR" altLang="en-US" dirty="0" err="1" smtClean="0"/>
+              <a:t>물양</a:t>
+            </a:r>
+            <a:endParaRPr lang="en-US" altLang="ko-KR" dirty="0" smtClean="0"/>
+          </a:p>
+          <a:p>
+            <a:r>
+              <a:rPr lang="ko-KR" altLang="en-US" dirty="0" smtClean="0"/>
+              <a:t>더 </a:t>
+            </a:r>
+            <a:r>
+              <a:rPr lang="ko-KR" altLang="en-US" dirty="0" err="1" smtClean="0"/>
+              <a:t>먹어야할양</a:t>
+            </a:r>
+            <a:endParaRPr lang="en-US" altLang="ko-KR" dirty="0" smtClean="0"/>
+          </a:p>
+          <a:p>
+            <a:r>
+              <a:rPr lang="ko-KR" altLang="en-US" dirty="0" smtClean="0"/>
+              <a:t>권장 수분 섭취량</a:t>
+            </a:r>
+            <a:endParaRPr lang="ko-KR" altLang="en-US" dirty="0"/>
+          </a:p>
+        </p:txBody>
+      </p:sp>
+      <p:sp>
+        <p:nvSpPr>
+          <p:cNvPr id="17" name="직사각형 16"/>
+          <p:cNvSpPr/>
+          <p:nvPr/>
+        </p:nvSpPr>
+        <p:spPr>
+          <a:xfrm>
+            <a:off x="6972300" y="1854200"/>
+            <a:ext cx="1739900" cy="381000"/>
+          </a:xfrm>
+          <a:prstGeom prst="rect">
+            <a:avLst/>
+          </a:prstGeom>
+          <a:noFill/>
+          <a:ln w="25400"/>
+        </p:spPr>
+        <p:style>
+          <a:lnRef idx="2">
+            <a:schemeClr val="accent1">
+              <a:shade val="50000"/>
+            </a:schemeClr>
+          </a:lnRef>
+          <a:fillRef idx="1">
+            <a:schemeClr val="accent1"/>
+          </a:fillRef>
+          <a:effectRef idx="0">
+            <a:schemeClr val="accent1"/>
+          </a:effectRef>
+          <a:fontRef idx="minor">
+            <a:schemeClr val="lt1"/>
+          </a:fontRef>
+        </p:style>
+        <p:txBody>
+          <a:bodyPr rtlCol="0" anchor="ctr"/>
+          <a:lstStyle/>
+          <a:p>
+            <a:pPr algn="ctr"/>
+            <a:endParaRPr lang="ko-KR" altLang="en-US"/>
+          </a:p>
+        </p:txBody>
+      </p:sp>
+      <p:sp>
+        <p:nvSpPr>
+          <p:cNvPr id="18" name="직사각형 17"/>
+          <p:cNvSpPr/>
+          <p:nvPr/>
+        </p:nvSpPr>
+        <p:spPr>
+          <a:xfrm>
+            <a:off x="6972300" y="2299482"/>
+            <a:ext cx="1739900" cy="381000"/>
+          </a:xfrm>
+          <a:prstGeom prst="rect">
+            <a:avLst/>
+          </a:prstGeom>
+          <a:noFill/>
+          <a:ln w="25400"/>
+        </p:spPr>
+        <p:style>
+          <a:lnRef idx="2">
+            <a:schemeClr val="accent1">
+              <a:shade val="50000"/>
+            </a:schemeClr>
+          </a:lnRef>
+          <a:fillRef idx="1">
+            <a:schemeClr val="accent1"/>
+          </a:fillRef>
+          <a:effectRef idx="0">
+            <a:schemeClr val="accent1"/>
+          </a:effectRef>
+          <a:fontRef idx="minor">
+            <a:schemeClr val="lt1"/>
+          </a:fontRef>
+        </p:style>
+        <p:txBody>
+          <a:bodyPr rtlCol="0" anchor="ctr"/>
+          <a:lstStyle/>
+          <a:p>
+            <a:pPr algn="ctr"/>
+            <a:endParaRPr lang="ko-KR" altLang="en-US"/>
+          </a:p>
+        </p:txBody>
+      </p:sp>
+      <p:sp>
+        <p:nvSpPr>
+          <p:cNvPr id="19" name="직사각형 18"/>
+          <p:cNvSpPr/>
+          <p:nvPr/>
+        </p:nvSpPr>
+        <p:spPr>
+          <a:xfrm>
+            <a:off x="6972300" y="2761147"/>
+            <a:ext cx="1739900" cy="381000"/>
+          </a:xfrm>
+          <a:prstGeom prst="rect">
+            <a:avLst/>
+          </a:prstGeom>
+          <a:noFill/>
+          <a:ln w="25400"/>
+        </p:spPr>
+        <p:style>
+          <a:lnRef idx="2">
+            <a:schemeClr val="accent1">
+              <a:shade val="50000"/>
+            </a:schemeClr>
+          </a:lnRef>
+          <a:fillRef idx="1">
+            <a:schemeClr val="accent1"/>
+          </a:fillRef>
+          <a:effectRef idx="0">
+            <a:schemeClr val="accent1"/>
+          </a:effectRef>
+          <a:fontRef idx="minor">
+            <a:schemeClr val="lt1"/>
+          </a:fontRef>
+        </p:style>
+        <p:txBody>
+          <a:bodyPr rtlCol="0" anchor="ctr"/>
+          <a:lstStyle/>
+          <a:p>
+            <a:pPr algn="ctr"/>
+            <a:endParaRPr lang="ko-KR" altLang="en-US"/>
+          </a:p>
+        </p:txBody>
+      </p:sp>
+      <p:sp>
+        <p:nvSpPr>
+          <p:cNvPr id="21" name="직사각형 20"/>
+          <p:cNvSpPr/>
+          <p:nvPr/>
+        </p:nvSpPr>
+        <p:spPr>
+          <a:xfrm>
+            <a:off x="6972300" y="3222812"/>
+            <a:ext cx="1739900" cy="381000"/>
+          </a:xfrm>
+          <a:prstGeom prst="rect">
+            <a:avLst/>
+          </a:prstGeom>
+          <a:noFill/>
+          <a:ln w="25400"/>
+        </p:spPr>
+        <p:style>
+          <a:lnRef idx="2">
+            <a:schemeClr val="accent1">
+              <a:shade val="50000"/>
+            </a:schemeClr>
+          </a:lnRef>
+          <a:fillRef idx="1">
+            <a:schemeClr val="accent1"/>
+          </a:fillRef>
+          <a:effectRef idx="0">
+            <a:schemeClr val="accent1"/>
+          </a:effectRef>
+          <a:fontRef idx="minor">
+            <a:schemeClr val="lt1"/>
+          </a:fontRef>
+        </p:style>
+        <p:txBody>
+          <a:bodyPr rtlCol="0" anchor="ctr"/>
+          <a:lstStyle/>
+          <a:p>
+            <a:pPr algn="ctr"/>
+            <a:endParaRPr lang="ko-KR" altLang="en-US"/>
+          </a:p>
+        </p:txBody>
+      </p:sp>
+      <p:sp>
+        <p:nvSpPr>
+          <p:cNvPr id="22" name="직사각형 21"/>
+          <p:cNvSpPr/>
+          <p:nvPr/>
+        </p:nvSpPr>
+        <p:spPr>
+          <a:xfrm>
+            <a:off x="6972300" y="3684477"/>
+            <a:ext cx="1739900" cy="381000"/>
+          </a:xfrm>
+          <a:prstGeom prst="rect">
+            <a:avLst/>
+          </a:prstGeom>
+          <a:noFill/>
+          <a:ln w="25400"/>
+        </p:spPr>
+        <p:style>
+          <a:lnRef idx="2">
+            <a:schemeClr val="accent1">
+              <a:shade val="50000"/>
+            </a:schemeClr>
+          </a:lnRef>
+          <a:fillRef idx="1">
+            <a:schemeClr val="accent1"/>
+          </a:fillRef>
+          <a:effectRef idx="0">
+            <a:schemeClr val="accent1"/>
+          </a:effectRef>
+          <a:fontRef idx="minor">
+            <a:schemeClr val="lt1"/>
+          </a:fontRef>
+        </p:style>
+        <p:txBody>
+          <a:bodyPr rtlCol="0" anchor="ctr"/>
+          <a:lstStyle/>
+          <a:p>
+            <a:pPr algn="ctr"/>
+            <a:endParaRPr lang="ko-KR" altLang="en-US"/>
+          </a:p>
+        </p:txBody>
+      </p:sp>
+      <p:sp>
+        <p:nvSpPr>
+          <p:cNvPr id="23" name="직사각형 22"/>
+          <p:cNvSpPr/>
+          <p:nvPr/>
+        </p:nvSpPr>
+        <p:spPr>
+          <a:xfrm>
+            <a:off x="6972300" y="4279900"/>
+            <a:ext cx="241300" cy="241300"/>
+          </a:xfrm>
+          <a:prstGeom prst="rect">
+            <a:avLst/>
+          </a:prstGeom>
+          <a:noFill/>
+        </p:spPr>
+        <p:style>
+          <a:lnRef idx="2">
+            <a:schemeClr val="accent1">
+              <a:shade val="50000"/>
+            </a:schemeClr>
+          </a:lnRef>
+          <a:fillRef idx="1">
+            <a:schemeClr val="accent1"/>
+          </a:fillRef>
+          <a:effectRef idx="0">
+            <a:schemeClr val="accent1"/>
+          </a:effectRef>
+          <a:fontRef idx="minor">
+            <a:schemeClr val="lt1"/>
+          </a:fontRef>
+        </p:style>
+        <p:txBody>
+          <a:bodyPr rtlCol="0" anchor="ctr"/>
+          <a:lstStyle/>
+          <a:p>
+            <a:pPr algn="ctr"/>
+            <a:endParaRPr lang="ko-KR" altLang="en-US"/>
+          </a:p>
+        </p:txBody>
+      </p:sp>
+      <p:sp>
+        <p:nvSpPr>
+          <p:cNvPr id="24" name="직사각형 23"/>
+          <p:cNvSpPr/>
+          <p:nvPr/>
+        </p:nvSpPr>
+        <p:spPr>
+          <a:xfrm>
+            <a:off x="7891210" y="4276662"/>
+            <a:ext cx="241300" cy="241300"/>
+          </a:xfrm>
+          <a:prstGeom prst="rect">
+            <a:avLst/>
+          </a:prstGeom>
+          <a:noFill/>
+        </p:spPr>
+        <p:style>
+          <a:lnRef idx="2">
+            <a:schemeClr val="accent1">
+              <a:shade val="50000"/>
+            </a:schemeClr>
+          </a:lnRef>
+          <a:fillRef idx="1">
+            <a:schemeClr val="accent1"/>
+          </a:fillRef>
+          <a:effectRef idx="0">
+            <a:schemeClr val="accent1"/>
+          </a:effectRef>
+          <a:fontRef idx="minor">
+            <a:schemeClr val="lt1"/>
+          </a:fontRef>
+        </p:style>
+        <p:txBody>
+          <a:bodyPr rtlCol="0" anchor="ctr"/>
+          <a:lstStyle/>
+          <a:p>
+            <a:pPr algn="ctr"/>
+            <a:endParaRPr lang="ko-KR" altLang="en-US"/>
+          </a:p>
+        </p:txBody>
+      </p:sp>
+      <p:sp>
+        <p:nvSpPr>
+          <p:cNvPr id="26" name="직사각형 25"/>
+          <p:cNvSpPr/>
+          <p:nvPr/>
+        </p:nvSpPr>
+        <p:spPr>
+          <a:xfrm>
+            <a:off x="9309100" y="6159500"/>
+            <a:ext cx="850900" cy="368300"/>
+          </a:xfrm>
+          <a:prstGeom prst="rect">
+            <a:avLst/>
+          </a:prstGeom>
+          <a:noFill/>
+          <a:ln w="25400"/>
+        </p:spPr>
+        <p:style>
+          <a:lnRef idx="2">
+            <a:schemeClr val="accent1">
+              <a:shade val="50000"/>
+            </a:schemeClr>
+          </a:lnRef>
+          <a:fillRef idx="1">
+            <a:schemeClr val="accent1"/>
+          </a:fillRef>
+          <a:effectRef idx="0">
+            <a:schemeClr val="accent1"/>
+          </a:effectRef>
+          <a:fontRef idx="minor">
+            <a:schemeClr val="lt1"/>
+          </a:fontRef>
+        </p:style>
+        <p:txBody>
+          <a:bodyPr rtlCol="0" anchor="ctr"/>
+          <a:lstStyle/>
+          <a:p>
+            <a:pPr algn="ctr"/>
+            <a:endParaRPr lang="ko-KR" altLang="en-US"/>
+          </a:p>
+        </p:txBody>
+      </p:sp>
+      <p:sp>
+        <p:nvSpPr>
+          <p:cNvPr id="27" name="TextBox 26"/>
+          <p:cNvSpPr txBox="1"/>
+          <p:nvPr/>
+        </p:nvSpPr>
+        <p:spPr>
+          <a:xfrm>
+            <a:off x="9412392" y="6191250"/>
+            <a:ext cx="646331" cy="369332"/>
+          </a:xfrm>
+          <a:prstGeom prst="rect">
+            <a:avLst/>
+          </a:prstGeom>
+          <a:noFill/>
+        </p:spPr>
+        <p:txBody>
+          <a:bodyPr wrap="none" rtlCol="0">
+            <a:spAutoFit/>
+          </a:bodyPr>
+          <a:lstStyle/>
+          <a:p>
+            <a:r>
+              <a:rPr lang="ko-KR" altLang="en-US" smtClean="0"/>
+              <a:t>확인</a:t>
+            </a:r>
+            <a:endParaRPr lang="ko-KR" altLang="en-US"/>
+          </a:p>
+        </p:txBody>
+      </p:sp>
+      <p:pic>
+        <p:nvPicPr>
+          <p:cNvPr id="28" name="그림 27"/>
+          <p:cNvPicPr>
+            <a:picLocks noChangeAspect="1"/>
+          </p:cNvPicPr>
+          <p:nvPr/>
+        </p:nvPicPr>
+        <p:blipFill rotWithShape="1">
+          <a:blip r:embed="rId2" cstate="print">
+            <a:extLst>
+              <a:ext uri="{28A0092B-C50C-407E-A947-70E740481C1C}">
+                <a14:useLocalDpi xmlns:a14="http://schemas.microsoft.com/office/drawing/2010/main" val="0"/>
+              </a:ext>
+            </a:extLst>
+          </a:blip>
+          <a:srcRect b="24409"/>
+          <a:stretch/>
+        </p:blipFill>
+        <p:spPr>
+          <a:xfrm>
+            <a:off x="5198864" y="838942"/>
+            <a:ext cx="553453" cy="418358"/>
+          </a:xfrm>
+          <a:prstGeom prst="rect">
+            <a:avLst/>
+          </a:prstGeom>
+        </p:spPr>
+      </p:pic>
+      <p:sp>
+        <p:nvSpPr>
+          <p:cNvPr id="29" name="TextBox 28"/>
+          <p:cNvSpPr txBox="1"/>
+          <p:nvPr/>
+        </p:nvSpPr>
+        <p:spPr>
+          <a:xfrm>
+            <a:off x="2431446" y="838942"/>
+            <a:ext cx="1170898" cy="369332"/>
+          </a:xfrm>
+          <a:prstGeom prst="rect">
+            <a:avLst/>
+          </a:prstGeom>
+          <a:noFill/>
+        </p:spPr>
+        <p:txBody>
+          <a:bodyPr wrap="none" rtlCol="0">
+            <a:spAutoFit/>
+          </a:bodyPr>
+          <a:lstStyle/>
+          <a:p>
+            <a:r>
+              <a:rPr lang="en-US" altLang="ko-KR" dirty="0" err="1" smtClean="0"/>
+              <a:t>WaterJAR</a:t>
+            </a:r>
+            <a:endParaRPr lang="ko-KR" altLang="en-US" dirty="0"/>
+          </a:p>
+        </p:txBody>
+      </p:sp>
+      <p:pic>
+        <p:nvPicPr>
+          <p:cNvPr id="30" name="그림 29"/>
+          <p:cNvPicPr>
+            <a:picLocks noChangeAspect="1"/>
+          </p:cNvPicPr>
+          <p:nvPr/>
+        </p:nvPicPr>
+        <p:blipFill rotWithShape="1">
+          <a:blip r:embed="rId3">
+            <a:extLst>
+              <a:ext uri="{28A0092B-C50C-407E-A947-70E740481C1C}">
+                <a14:useLocalDpi xmlns:a14="http://schemas.microsoft.com/office/drawing/2010/main" val="0"/>
+              </a:ext>
+            </a:extLst>
+          </a:blip>
+          <a:srcRect l="34033" t="2" r="34208" b="13663"/>
+          <a:stretch/>
+        </p:blipFill>
+        <p:spPr>
+          <a:xfrm>
+            <a:off x="3362663" y="1721112"/>
+            <a:ext cx="1152000" cy="3132000"/>
+          </a:xfrm>
+          <a:prstGeom prst="rect">
+            <a:avLst/>
+          </a:prstGeom>
+        </p:spPr>
+      </p:pic>
+      <p:cxnSp>
+        <p:nvCxnSpPr>
+          <p:cNvPr id="32" name="직선 연결선 31"/>
+          <p:cNvCxnSpPr/>
+          <p:nvPr/>
+        </p:nvCxnSpPr>
+        <p:spPr>
+          <a:xfrm>
+            <a:off x="3596093" y="2526264"/>
+            <a:ext cx="680230" cy="0"/>
+          </a:xfrm>
+          <a:prstGeom prst="line">
+            <a:avLst/>
+          </a:prstGeom>
+          <a:ln w="19050">
+            <a:solidFill>
+              <a:schemeClr val="tx1"/>
+            </a:solidFill>
+          </a:ln>
+        </p:spPr>
+        <p:style>
+          <a:lnRef idx="1">
+            <a:schemeClr val="accent1"/>
+          </a:lnRef>
+          <a:fillRef idx="0">
+            <a:schemeClr val="accent1"/>
+          </a:fillRef>
+          <a:effectRef idx="0">
+            <a:schemeClr val="accent1"/>
+          </a:effectRef>
+          <a:fontRef idx="minor">
+            <a:schemeClr val="tx1"/>
+          </a:fontRef>
+        </p:style>
+      </p:cxnSp>
+      <p:cxnSp>
+        <p:nvCxnSpPr>
+          <p:cNvPr id="35" name="직선 화살표 연결선 34"/>
+          <p:cNvCxnSpPr/>
+          <p:nvPr/>
+        </p:nvCxnSpPr>
+        <p:spPr>
+          <a:xfrm>
+            <a:off x="2824283" y="2526264"/>
+            <a:ext cx="538380" cy="1"/>
+          </a:xfrm>
+          <a:prstGeom prst="straightConnector1">
+            <a:avLst/>
+          </a:prstGeom>
+          <a:ln w="12700">
+            <a:solidFill>
+              <a:schemeClr val="tx1">
+                <a:lumMod val="85000"/>
+                <a:lumOff val="15000"/>
+              </a:schemeClr>
+            </a:solidFill>
+            <a:tailEnd type="triangle"/>
+          </a:ln>
+        </p:spPr>
+        <p:style>
+          <a:lnRef idx="1">
+            <a:schemeClr val="accent1"/>
+          </a:lnRef>
+          <a:fillRef idx="0">
+            <a:schemeClr val="accent1"/>
+          </a:fillRef>
+          <a:effectRef idx="0">
+            <a:schemeClr val="accent1"/>
+          </a:effectRef>
+          <a:fontRef idx="minor">
+            <a:schemeClr val="tx1"/>
+          </a:fontRef>
+        </p:style>
+      </p:cxnSp>
+      <p:cxnSp>
+        <p:nvCxnSpPr>
+          <p:cNvPr id="39" name="직선 연결선 38"/>
+          <p:cNvCxnSpPr/>
+          <p:nvPr/>
+        </p:nvCxnSpPr>
+        <p:spPr>
+          <a:xfrm>
+            <a:off x="3581549" y="3861654"/>
+            <a:ext cx="680230" cy="0"/>
+          </a:xfrm>
+          <a:prstGeom prst="line">
+            <a:avLst/>
+          </a:prstGeom>
+          <a:ln w="19050">
+            <a:solidFill>
+              <a:schemeClr val="tx1"/>
+            </a:solidFill>
+          </a:ln>
+        </p:spPr>
+        <p:style>
+          <a:lnRef idx="1">
+            <a:schemeClr val="accent1"/>
+          </a:lnRef>
+          <a:fillRef idx="0">
+            <a:schemeClr val="accent1"/>
+          </a:fillRef>
+          <a:effectRef idx="0">
+            <a:schemeClr val="accent1"/>
+          </a:effectRef>
+          <a:fontRef idx="minor">
+            <a:schemeClr val="tx1"/>
+          </a:fontRef>
+        </p:style>
+      </p:cxnSp>
+      <p:cxnSp>
+        <p:nvCxnSpPr>
+          <p:cNvPr id="40" name="직선 화살표 연결선 39"/>
+          <p:cNvCxnSpPr/>
+          <p:nvPr/>
+        </p:nvCxnSpPr>
+        <p:spPr>
+          <a:xfrm>
+            <a:off x="2795225" y="3861654"/>
+            <a:ext cx="538380" cy="1"/>
+          </a:xfrm>
+          <a:prstGeom prst="straightConnector1">
+            <a:avLst/>
+          </a:prstGeom>
+          <a:ln w="12700">
+            <a:solidFill>
+              <a:schemeClr val="tx1">
+                <a:lumMod val="85000"/>
+                <a:lumOff val="15000"/>
+              </a:schemeClr>
+            </a:solidFill>
+            <a:tailEnd type="triangle"/>
+          </a:ln>
+        </p:spPr>
+        <p:style>
+          <a:lnRef idx="1">
+            <a:schemeClr val="accent1"/>
+          </a:lnRef>
+          <a:fillRef idx="0">
+            <a:schemeClr val="accent1"/>
+          </a:fillRef>
+          <a:effectRef idx="0">
+            <a:schemeClr val="accent1"/>
+          </a:effectRef>
+          <a:fontRef idx="minor">
+            <a:schemeClr val="tx1"/>
+          </a:fontRef>
+        </p:style>
+      </p:cxnSp>
+      <p:sp>
+        <p:nvSpPr>
+          <p:cNvPr id="42" name="TextBox 41"/>
+          <p:cNvSpPr txBox="1"/>
+          <p:nvPr/>
+        </p:nvSpPr>
+        <p:spPr>
+          <a:xfrm>
+            <a:off x="2635787" y="6103916"/>
+            <a:ext cx="2675732" cy="338554"/>
+          </a:xfrm>
+          <a:prstGeom prst="rect">
+            <a:avLst/>
+          </a:prstGeom>
+          <a:noFill/>
+        </p:spPr>
+        <p:txBody>
+          <a:bodyPr wrap="none" rtlCol="0">
+            <a:spAutoFit/>
+          </a:bodyPr>
+          <a:lstStyle/>
+          <a:p>
+            <a:r>
+              <a:rPr lang="en-US" altLang="ko-KR" sz="1600" dirty="0" smtClean="0"/>
+              <a:t>500ml </a:t>
+            </a:r>
+            <a:r>
+              <a:rPr lang="ko-KR" altLang="en-US" sz="1600" dirty="0" smtClean="0"/>
+              <a:t>를 더 </a:t>
+            </a:r>
+            <a:r>
+              <a:rPr lang="ko-KR" altLang="en-US" sz="1600" dirty="0" err="1" smtClean="0"/>
+              <a:t>마셔야합니다</a:t>
+            </a:r>
+            <a:r>
+              <a:rPr lang="en-US" altLang="ko-KR" sz="1600" dirty="0" smtClean="0"/>
+              <a:t>!</a:t>
+            </a:r>
+          </a:p>
+        </p:txBody>
+      </p:sp>
+      <p:sp>
+        <p:nvSpPr>
+          <p:cNvPr id="43" name="TextBox 42"/>
+          <p:cNvSpPr txBox="1"/>
+          <p:nvPr/>
+        </p:nvSpPr>
+        <p:spPr>
+          <a:xfrm>
+            <a:off x="4361549" y="1732486"/>
+            <a:ext cx="1370888" cy="276999"/>
+          </a:xfrm>
+          <a:prstGeom prst="rect">
+            <a:avLst/>
+          </a:prstGeom>
+          <a:noFill/>
+        </p:spPr>
+        <p:txBody>
+          <a:bodyPr wrap="none" rtlCol="0">
+            <a:spAutoFit/>
+          </a:bodyPr>
+          <a:lstStyle/>
+          <a:p>
+            <a:r>
+              <a:rPr lang="ko-KR" altLang="en-US" sz="1200" dirty="0" smtClean="0"/>
+              <a:t>제일 많이 </a:t>
+            </a:r>
+            <a:r>
+              <a:rPr lang="ko-KR" altLang="en-US" sz="1200" dirty="0" err="1" smtClean="0"/>
+              <a:t>마신량</a:t>
+            </a:r>
+            <a:endParaRPr lang="ko-KR" altLang="en-US" sz="1200" dirty="0"/>
+          </a:p>
+        </p:txBody>
+      </p:sp>
+      <p:cxnSp>
+        <p:nvCxnSpPr>
+          <p:cNvPr id="44" name="직선 화살표 연결선 43"/>
+          <p:cNvCxnSpPr/>
+          <p:nvPr/>
+        </p:nvCxnSpPr>
+        <p:spPr>
+          <a:xfrm flipH="1">
+            <a:off x="4452567" y="2037654"/>
+            <a:ext cx="549803" cy="0"/>
+          </a:xfrm>
+          <a:prstGeom prst="straightConnector1">
+            <a:avLst/>
+          </a:prstGeom>
+          <a:ln w="12700">
+            <a:solidFill>
+              <a:schemeClr val="tx1">
+                <a:lumMod val="85000"/>
+                <a:lumOff val="15000"/>
+              </a:schemeClr>
+            </a:solidFill>
+            <a:tailEnd type="triangle"/>
+          </a:ln>
+        </p:spPr>
+        <p:style>
+          <a:lnRef idx="1">
+            <a:schemeClr val="accent1"/>
+          </a:lnRef>
+          <a:fillRef idx="0">
+            <a:schemeClr val="accent1"/>
+          </a:fillRef>
+          <a:effectRef idx="0">
+            <a:schemeClr val="accent1"/>
+          </a:effectRef>
+          <a:fontRef idx="minor">
+            <a:schemeClr val="tx1"/>
+          </a:fontRef>
+        </p:style>
+      </p:cxnSp>
+      <p:sp>
+        <p:nvSpPr>
+          <p:cNvPr id="46" name="TextBox 45"/>
+          <p:cNvSpPr txBox="1"/>
+          <p:nvPr/>
+        </p:nvSpPr>
+        <p:spPr>
+          <a:xfrm>
+            <a:off x="4463777" y="4177572"/>
+            <a:ext cx="1370888" cy="276999"/>
+          </a:xfrm>
+          <a:prstGeom prst="rect">
+            <a:avLst/>
+          </a:prstGeom>
+          <a:noFill/>
+        </p:spPr>
+        <p:txBody>
+          <a:bodyPr wrap="none" rtlCol="0">
+            <a:spAutoFit/>
+          </a:bodyPr>
+          <a:lstStyle/>
+          <a:p>
+            <a:r>
+              <a:rPr lang="ko-KR" altLang="en-US" sz="1200" dirty="0" smtClean="0"/>
+              <a:t>제일 적게 </a:t>
+            </a:r>
+            <a:r>
+              <a:rPr lang="ko-KR" altLang="en-US" sz="1200" dirty="0" err="1" smtClean="0"/>
+              <a:t>마신량</a:t>
+            </a:r>
+            <a:endParaRPr lang="ko-KR" altLang="en-US" sz="1200" dirty="0"/>
+          </a:p>
+        </p:txBody>
+      </p:sp>
+      <p:cxnSp>
+        <p:nvCxnSpPr>
+          <p:cNvPr id="47" name="직선 화살표 연결선 46"/>
+          <p:cNvCxnSpPr/>
+          <p:nvPr/>
+        </p:nvCxnSpPr>
+        <p:spPr>
+          <a:xfrm flipH="1">
+            <a:off x="4554795" y="4482740"/>
+            <a:ext cx="549803" cy="0"/>
+          </a:xfrm>
+          <a:prstGeom prst="straightConnector1">
+            <a:avLst/>
+          </a:prstGeom>
+          <a:ln w="12700">
+            <a:solidFill>
+              <a:schemeClr val="tx1">
+                <a:lumMod val="85000"/>
+                <a:lumOff val="15000"/>
+              </a:schemeClr>
+            </a:solidFill>
+            <a:tailEnd type="triangle"/>
+          </a:ln>
+        </p:spPr>
+        <p:style>
+          <a:lnRef idx="1">
+            <a:schemeClr val="accent1"/>
+          </a:lnRef>
+          <a:fillRef idx="0">
+            <a:schemeClr val="accent1"/>
+          </a:fillRef>
+          <a:effectRef idx="0">
+            <a:schemeClr val="accent1"/>
+          </a:effectRef>
+          <a:fontRef idx="minor">
+            <a:schemeClr val="tx1"/>
+          </a:fontRef>
+        </p:style>
+      </p:cxnSp>
+      <p:cxnSp>
+        <p:nvCxnSpPr>
+          <p:cNvPr id="49" name="직선 화살표 연결선 48"/>
+          <p:cNvCxnSpPr>
+            <a:stCxn id="28" idx="3"/>
+          </p:cNvCxnSpPr>
+          <p:nvPr/>
+        </p:nvCxnSpPr>
+        <p:spPr>
+          <a:xfrm>
+            <a:off x="5752317" y="1048121"/>
+            <a:ext cx="901377" cy="1860179"/>
+          </a:xfrm>
+          <a:prstGeom prst="straightConnector1">
+            <a:avLst/>
+          </a:prstGeom>
+          <a:ln w="19050">
+            <a:solidFill>
+              <a:schemeClr val="accent2"/>
+            </a:solidFill>
+            <a:tailEnd type="triangle"/>
+          </a:ln>
+        </p:spPr>
+        <p:style>
+          <a:lnRef idx="1">
+            <a:schemeClr val="accent1"/>
+          </a:lnRef>
+          <a:fillRef idx="0">
+            <a:schemeClr val="accent1"/>
+          </a:fillRef>
+          <a:effectRef idx="0">
+            <a:schemeClr val="accent1"/>
+          </a:effectRef>
+          <a:fontRef idx="minor">
+            <a:schemeClr val="tx1"/>
+          </a:fontRef>
+        </p:style>
+      </p:cxnSp>
+      <p:sp>
+        <p:nvSpPr>
+          <p:cNvPr id="52" name="모서리가 둥근 직사각형 51"/>
+          <p:cNvSpPr/>
+          <p:nvPr/>
+        </p:nvSpPr>
+        <p:spPr>
+          <a:xfrm>
+            <a:off x="5198864" y="826242"/>
+            <a:ext cx="533573" cy="545358"/>
+          </a:xfrm>
+          <a:prstGeom prst="roundRect">
+            <a:avLst/>
+          </a:prstGeom>
+          <a:noFill/>
+          <a:ln>
+            <a:solidFill>
+              <a:schemeClr val="accent2"/>
+            </a:solidFill>
+          </a:ln>
+        </p:spPr>
+        <p:style>
+          <a:lnRef idx="2">
+            <a:schemeClr val="accent1">
+              <a:shade val="50000"/>
+            </a:schemeClr>
+          </a:lnRef>
+          <a:fillRef idx="1">
+            <a:schemeClr val="accent1"/>
+          </a:fillRef>
+          <a:effectRef idx="0">
+            <a:schemeClr val="accent1"/>
+          </a:effectRef>
+          <a:fontRef idx="minor">
+            <a:schemeClr val="lt1"/>
+          </a:fontRef>
+        </p:style>
+        <p:txBody>
+          <a:bodyPr rtlCol="0" anchor="ctr"/>
+          <a:lstStyle/>
+          <a:p>
+            <a:pPr algn="ctr"/>
             <a:endParaRPr lang="ko-KR" altLang="en-US"/>
           </a:p>
         </p:txBody>
@@ -3386,54 +4659,6 @@
           <a:chExt cx="0" cy="0"/>
         </a:xfrm>
       </p:grpSpPr>
-      <p:sp>
-        <p:nvSpPr>
-          <p:cNvPr id="4" name="직사각형 3"/>
-          <p:cNvSpPr/>
-          <p:nvPr/>
-        </p:nvSpPr>
-        <p:spPr>
-          <a:xfrm>
-            <a:off x="1487424" y="670560"/>
-            <a:ext cx="3596640" cy="5425440"/>
-          </a:xfrm>
-          <a:prstGeom prst="rect">
-            <a:avLst/>
-          </a:prstGeom>
-          <a:noFill/>
-          <a:ln w="38100">
-            <a:solidFill>
-              <a:schemeClr val="bg2">
-                <a:lumMod val="50000"/>
-              </a:schemeClr>
-            </a:solidFill>
-          </a:ln>
-        </p:spPr>
-        <p:style>
-          <a:lnRef idx="2">
-            <a:schemeClr val="accent1">
-              <a:shade val="50000"/>
-            </a:schemeClr>
-          </a:lnRef>
-          <a:fillRef idx="1">
-            <a:schemeClr val="accent1"/>
-          </a:fillRef>
-          <a:effectRef idx="0">
-            <a:schemeClr val="accent1"/>
-          </a:effectRef>
-          <a:fontRef idx="minor">
-            <a:schemeClr val="lt1"/>
-          </a:fontRef>
-        </p:style>
-        <p:txBody>
-          <a:bodyPr rtlCol="0" anchor="ctr"/>
-          <a:lstStyle/>
-          <a:p>
-            <a:pPr algn="ctr"/>
-            <a:endParaRPr lang="ko-KR" altLang="en-US"/>
-          </a:p>
-        </p:txBody>
-      </p:sp>
       <p:sp>
         <p:nvSpPr>
           <p:cNvPr id="6" name="TextBox 5"/>
